--- a/paper_stuff/paper figures aug 28 2021/plots.pptx
+++ b/paper_stuff/paper figures aug 28 2021/plots.pptx
@@ -5,7 +5,7 @@
     <p:sldMasterId id="2147483648" r:id="rId1"/>
   </p:sldMasterIdLst>
   <p:notesMasterIdLst>
-    <p:notesMasterId r:id="rId9"/>
+    <p:notesMasterId r:id="rId10"/>
   </p:notesMasterIdLst>
   <p:sldIdLst>
     <p:sldId id="476" r:id="rId2"/>
@@ -15,6 +15,7 @@
     <p:sldId id="479" r:id="rId6"/>
     <p:sldId id="473" r:id="rId7"/>
     <p:sldId id="475" r:id="rId8"/>
+    <p:sldId id="480" r:id="rId9"/>
   </p:sldIdLst>
   <p:sldSz cx="18288000" cy="10287000"/>
   <p:notesSz cx="6858000" cy="9144000"/>
@@ -17828,6 +17829,327 @@
 </p:sld>
 </file>
 
+<file path=ppt/slides/slide8.xml><?xml version="1.0" encoding="utf-8"?>
+<p:sld xmlns:a="http://schemas.openxmlformats.org/drawingml/2006/main" xmlns:r="http://schemas.openxmlformats.org/officeDocument/2006/relationships" xmlns:p="http://schemas.openxmlformats.org/presentationml/2006/main">
+  <p:cSld>
+    <p:spTree>
+      <p:nvGrpSpPr>
+        <p:cNvPr id="1" name=""/>
+        <p:cNvGrpSpPr/>
+        <p:nvPr/>
+      </p:nvGrpSpPr>
+      <p:grpSpPr>
+        <a:xfrm>
+          <a:off x="0" y="0"/>
+          <a:ext cx="0" cy="0"/>
+          <a:chOff x="0" y="0"/>
+          <a:chExt cx="0" cy="0"/>
+        </a:xfrm>
+      </p:grpSpPr>
+      <p:pic>
+        <p:nvPicPr>
+          <p:cNvPr id="5" name="Picture 4" descr="Chart, line chart&#10;&#10;Description automatically generated">
+            <a:extLst>
+              <a:ext uri="{FF2B5EF4-FFF2-40B4-BE49-F238E27FC236}">
+                <a16:creationId xmlns:a16="http://schemas.microsoft.com/office/drawing/2014/main" id="{3E1BBAB3-9DAA-405F-AC87-DEAB3247ACF1}"/>
+              </a:ext>
+            </a:extLst>
+          </p:cNvPr>
+          <p:cNvPicPr>
+            <a:picLocks noChangeAspect="1"/>
+          </p:cNvPicPr>
+          <p:nvPr/>
+        </p:nvPicPr>
+        <p:blipFill>
+          <a:blip r:embed="rId2">
+            <a:extLst>
+              <a:ext uri="{28A0092B-C50C-407E-A947-70E740481C1C}">
+                <a14:useLocalDpi xmlns:a14="http://schemas.microsoft.com/office/drawing/2010/main" val="0"/>
+              </a:ext>
+            </a:extLst>
+          </a:blip>
+          <a:stretch>
+            <a:fillRect/>
+          </a:stretch>
+        </p:blipFill>
+        <p:spPr>
+          <a:xfrm>
+            <a:off x="3959424" y="679004"/>
+            <a:ext cx="9855693" cy="9419737"/>
+          </a:xfrm>
+          <a:prstGeom prst="rect">
+            <a:avLst/>
+          </a:prstGeom>
+        </p:spPr>
+      </p:pic>
+      <p:sp>
+        <p:nvSpPr>
+          <p:cNvPr id="6" name="TextBox 5">
+            <a:extLst>
+              <a:ext uri="{FF2B5EF4-FFF2-40B4-BE49-F238E27FC236}">
+                <a16:creationId xmlns:a16="http://schemas.microsoft.com/office/drawing/2014/main" id="{6194DBE3-68DD-4DEA-88B7-F71CEAAB7968}"/>
+              </a:ext>
+            </a:extLst>
+          </p:cNvPr>
+          <p:cNvSpPr txBox="1"/>
+          <p:nvPr/>
+        </p:nvSpPr>
+        <p:spPr>
+          <a:xfrm rot="16200000">
+            <a:off x="3519649" y="4747094"/>
+            <a:ext cx="1518364" cy="461665"/>
+          </a:xfrm>
+          <a:prstGeom prst="rect">
+            <a:avLst/>
+          </a:prstGeom>
+          <a:solidFill>
+            <a:schemeClr val="bg1"/>
+          </a:solidFill>
+        </p:spPr>
+        <p:txBody>
+          <a:bodyPr wrap="none" rtlCol="0">
+            <a:spAutoFit/>
+          </a:bodyPr>
+          <a:lstStyle/>
+          <a:p>
+            <a:r>
+              <a:rPr lang="en-US" sz="2400" dirty="0"/>
+              <a:t>F1-score</a:t>
+            </a:r>
+            <a:endParaRPr lang="en-SG" sz="2400" dirty="0"/>
+          </a:p>
+        </p:txBody>
+      </p:sp>
+      <p:sp>
+        <p:nvSpPr>
+          <p:cNvPr id="9" name="Arrow: Left 8">
+            <a:extLst>
+              <a:ext uri="{FF2B5EF4-FFF2-40B4-BE49-F238E27FC236}">
+                <a16:creationId xmlns:a16="http://schemas.microsoft.com/office/drawing/2014/main" id="{B8269FDC-4A6D-4669-B180-FA2867EF26B9}"/>
+              </a:ext>
+            </a:extLst>
+          </p:cNvPr>
+          <p:cNvSpPr/>
+          <p:nvPr/>
+        </p:nvSpPr>
+        <p:spPr>
+          <a:xfrm rot="2621426">
+            <a:off x="9452970" y="5739734"/>
+            <a:ext cx="2737338" cy="792088"/>
+          </a:xfrm>
+          <a:prstGeom prst="leftArrow">
+            <a:avLst>
+              <a:gd name="adj1" fmla="val 33269"/>
+              <a:gd name="adj2" fmla="val 50000"/>
+            </a:avLst>
+          </a:prstGeom>
+        </p:spPr>
+        <p:style>
+          <a:lnRef idx="2">
+            <a:schemeClr val="accent1">
+              <a:shade val="50000"/>
+            </a:schemeClr>
+          </a:lnRef>
+          <a:fillRef idx="1">
+            <a:schemeClr val="accent1"/>
+          </a:fillRef>
+          <a:effectRef idx="0">
+            <a:schemeClr val="accent1"/>
+          </a:effectRef>
+          <a:fontRef idx="minor">
+            <a:schemeClr val="lt1"/>
+          </a:fontRef>
+        </p:style>
+        <p:txBody>
+          <a:bodyPr rtlCol="0" anchor="ctr"/>
+          <a:lstStyle/>
+          <a:p>
+            <a:pPr algn="ctr"/>
+            <a:endParaRPr lang="en-SG"/>
+          </a:p>
+        </p:txBody>
+      </p:sp>
+      <p:sp>
+        <p:nvSpPr>
+          <p:cNvPr id="10" name="Arrow: Left 9">
+            <a:extLst>
+              <a:ext uri="{FF2B5EF4-FFF2-40B4-BE49-F238E27FC236}">
+                <a16:creationId xmlns:a16="http://schemas.microsoft.com/office/drawing/2014/main" id="{B03ECC4F-6570-4B1C-B701-0803ED683226}"/>
+              </a:ext>
+            </a:extLst>
+          </p:cNvPr>
+          <p:cNvSpPr/>
+          <p:nvPr/>
+        </p:nvSpPr>
+        <p:spPr>
+          <a:xfrm rot="10800000">
+            <a:off x="10800184" y="895028"/>
+            <a:ext cx="263294" cy="198183"/>
+          </a:xfrm>
+          <a:prstGeom prst="leftArrow">
+            <a:avLst>
+              <a:gd name="adj1" fmla="val 33269"/>
+              <a:gd name="adj2" fmla="val 50000"/>
+            </a:avLst>
+          </a:prstGeom>
+        </p:spPr>
+        <p:style>
+          <a:lnRef idx="2">
+            <a:schemeClr val="accent1">
+              <a:shade val="50000"/>
+            </a:schemeClr>
+          </a:lnRef>
+          <a:fillRef idx="1">
+            <a:schemeClr val="accent1"/>
+          </a:fillRef>
+          <a:effectRef idx="0">
+            <a:schemeClr val="accent1"/>
+          </a:effectRef>
+          <a:fontRef idx="minor">
+            <a:schemeClr val="lt1"/>
+          </a:fontRef>
+        </p:style>
+        <p:txBody>
+          <a:bodyPr rtlCol="0" anchor="ctr"/>
+          <a:lstStyle/>
+          <a:p>
+            <a:pPr algn="ctr"/>
+            <a:endParaRPr lang="en-SG"/>
+          </a:p>
+        </p:txBody>
+      </p:sp>
+      <p:sp>
+        <p:nvSpPr>
+          <p:cNvPr id="11" name="TextBox 10">
+            <a:extLst>
+              <a:ext uri="{FF2B5EF4-FFF2-40B4-BE49-F238E27FC236}">
+                <a16:creationId xmlns:a16="http://schemas.microsoft.com/office/drawing/2014/main" id="{8F78FDE1-7C36-4B12-894A-2937DD2E3F82}"/>
+              </a:ext>
+            </a:extLst>
+          </p:cNvPr>
+          <p:cNvSpPr txBox="1"/>
+          <p:nvPr/>
+        </p:nvSpPr>
+        <p:spPr>
+          <a:xfrm>
+            <a:off x="7631832" y="9535988"/>
+            <a:ext cx="3672800" cy="830997"/>
+          </a:xfrm>
+          <a:prstGeom prst="rect">
+            <a:avLst/>
+          </a:prstGeom>
+          <a:solidFill>
+            <a:schemeClr val="bg1"/>
+          </a:solidFill>
+        </p:spPr>
+        <p:txBody>
+          <a:bodyPr wrap="none" rtlCol="0">
+            <a:spAutoFit/>
+          </a:bodyPr>
+          <a:lstStyle/>
+          <a:p>
+            <a:r>
+              <a:rPr lang="en-US" sz="2400" dirty="0"/>
+              <a:t>Sample size      </a:t>
+            </a:r>
+          </a:p>
+          <a:p>
+            <a:r>
+              <a:rPr lang="en-US" sz="2400" dirty="0"/>
+              <a:t>                                </a:t>
+            </a:r>
+            <a:endParaRPr lang="en-SG" sz="2400" dirty="0"/>
+          </a:p>
+        </p:txBody>
+      </p:sp>
+      <p:sp>
+        <p:nvSpPr>
+          <p:cNvPr id="14" name="TextBox 13">
+            <a:extLst>
+              <a:ext uri="{FF2B5EF4-FFF2-40B4-BE49-F238E27FC236}">
+                <a16:creationId xmlns:a16="http://schemas.microsoft.com/office/drawing/2014/main" id="{F8C65648-3CA7-41E3-9968-32F8EC733CC6}"/>
+              </a:ext>
+            </a:extLst>
+          </p:cNvPr>
+          <p:cNvSpPr txBox="1"/>
+          <p:nvPr/>
+        </p:nvSpPr>
+        <p:spPr>
+          <a:xfrm>
+            <a:off x="3815408" y="917335"/>
+            <a:ext cx="9144000" cy="954107"/>
+          </a:xfrm>
+          <a:prstGeom prst="rect">
+            <a:avLst/>
+          </a:prstGeom>
+          <a:noFill/>
+        </p:spPr>
+        <p:txBody>
+          <a:bodyPr wrap="square">
+            <a:spAutoFit/>
+          </a:bodyPr>
+          <a:lstStyle/>
+          <a:p>
+            <a:pPr algn="ctr" rtl="0">
+              <a:defRPr sz="2800" b="1" i="0" u="none" strike="noStrike" kern="1200" cap="all" spc="150" baseline="0">
+                <a:solidFill>
+                  <a:prstClr val="black">
+                    <a:lumMod val="50000"/>
+                    <a:lumOff val="50000"/>
+                  </a:prstClr>
+                </a:solidFill>
+                <a:latin typeface="+mj-lt"/>
+                <a:ea typeface="+mn-ea"/>
+                <a:cs typeface="+mn-cs"/>
+              </a:defRPr>
+            </a:pPr>
+            <a:r>
+              <a:rPr lang="en-SG" b="1" cap="all" dirty="0">
+                <a:latin typeface="+mj-lt"/>
+              </a:rPr>
+              <a:t>ablation analysis</a:t>
+            </a:r>
+          </a:p>
+          <a:p>
+            <a:pPr algn="ctr" rtl="0">
+              <a:defRPr sz="2800" b="1" i="0" u="none" strike="noStrike" kern="1200" cap="all" spc="150" baseline="0">
+                <a:solidFill>
+                  <a:prstClr val="black">
+                    <a:lumMod val="50000"/>
+                    <a:lumOff val="50000"/>
+                  </a:prstClr>
+                </a:solidFill>
+                <a:latin typeface="+mj-lt"/>
+                <a:ea typeface="+mn-ea"/>
+                <a:cs typeface="+mn-cs"/>
+              </a:defRPr>
+            </a:pPr>
+            <a:r>
+              <a:rPr lang="en-SG" b="1" cap="all" dirty="0">
+                <a:latin typeface="+mj-lt"/>
+              </a:rPr>
+              <a:t>on dataset size</a:t>
+            </a:r>
+            <a:endParaRPr lang="en-SG" sz="1800" dirty="0">
+              <a:effectLst/>
+              <a:latin typeface="+mj-lt"/>
+            </a:endParaRPr>
+          </a:p>
+        </p:txBody>
+      </p:sp>
+    </p:spTree>
+    <p:extLst>
+      <p:ext uri="{BB962C8B-B14F-4D97-AF65-F5344CB8AC3E}">
+        <p14:creationId xmlns:p14="http://schemas.microsoft.com/office/powerpoint/2010/main" val="131536535"/>
+      </p:ext>
+    </p:extLst>
+  </p:cSld>
+  <p:clrMapOvr>
+    <a:masterClrMapping/>
+  </p:clrMapOvr>
+</p:sld>
+</file>
+
 <file path=ppt/theme/theme1.xml><?xml version="1.0" encoding="utf-8"?>
 <a:theme xmlns:a="http://schemas.openxmlformats.org/drawingml/2006/main" name="Office Theme">
   <a:themeElements>
